--- a/presentation/FPV Life - Autonomous Drone - PITCH DECK.pptx
+++ b/presentation/FPV Life - Autonomous Drone - PITCH DECK.pptx
@@ -30056,7 +30056,7 @@
         </p:blipFill>
         <p:spPr>
           <a:xfrm>
-            <a:off x="9483272" y="1008731"/>
+            <a:off x="9759606" y="1148493"/>
             <a:ext cx="1609573" cy="1609573"/>
           </a:xfrm>
           <a:prstGeom prst="rect">
@@ -30073,7 +30073,7 @@
           <p:nvPr/>
         </p:nvPicPr>
         <p:blipFill>
-          <a:blip r:embed="rId3">
+          <a:blip r:embed="rId3" cstate="print">
             <a:extLst>
               <a:ext uri="{28A0092B-C50C-407E-A947-70E740481C1C}">
                 <a14:useLocalDpi xmlns:a14="http://schemas.microsoft.com/office/drawing/2010/main" val="0"/>
@@ -30086,8 +30086,8 @@
         </p:blipFill>
         <p:spPr>
           <a:xfrm>
-            <a:off x="6976834" y="2917564"/>
-            <a:ext cx="6789302" cy="3568948"/>
+            <a:off x="7285439" y="3079789"/>
+            <a:ext cx="6172093" cy="3244498"/>
           </a:xfrm>
           <a:prstGeom prst="rect">
             <a:avLst/>
@@ -30150,7 +30150,7 @@
         </p:nvSpPr>
         <p:spPr>
           <a:xfrm>
-            <a:off x="579772" y="1379179"/>
+            <a:off x="579772" y="1417279"/>
             <a:ext cx="3069771" cy="611994"/>
           </a:xfrm>
           <a:prstGeom prst="rect">
@@ -30223,7 +30223,7 @@
         </p:nvSpPr>
         <p:spPr>
           <a:xfrm>
-            <a:off x="579772" y="2321248"/>
+            <a:off x="579772" y="2359348"/>
             <a:ext cx="5729853" cy="343185"/>
           </a:xfrm>
           <a:prstGeom prst="rect">
@@ -30464,16 +30464,58 @@
           </a:p>
         </p:txBody>
       </p:sp>
+      <p:pic>
+        <p:nvPicPr>
+          <p:cNvPr id="11" name="Picture 10">
+            <a:extLst>
+              <a:ext uri="{FF2B5EF4-FFF2-40B4-BE49-F238E27FC236}">
+                <a16:creationId xmlns:a16="http://schemas.microsoft.com/office/drawing/2014/main" id="{64922FC5-E5BA-236E-81D1-AD23FF23E535}"/>
+              </a:ext>
+            </a:extLst>
+          </p:cNvPr>
+          <p:cNvPicPr>
+            <a:picLocks noChangeAspect="1"/>
+          </p:cNvPicPr>
+          <p:nvPr/>
+        </p:nvPicPr>
+        <p:blipFill>
+          <a:blip r:embed="rId6">
+            <a:extLst>
+              <a:ext uri="{28A0092B-C50C-407E-A947-70E740481C1C}">
+                <a14:useLocalDpi xmlns:a14="http://schemas.microsoft.com/office/drawing/2010/main" val="0"/>
+              </a:ext>
+            </a:extLst>
+          </a:blip>
+          <a:stretch>
+            <a:fillRect/>
+          </a:stretch>
+        </p:blipFill>
+        <p:spPr>
+          <a:xfrm>
+            <a:off x="5857301" y="2436344"/>
+            <a:ext cx="1933246" cy="3871161"/>
+          </a:xfrm>
+          <a:prstGeom prst="rect">
+            <a:avLst/>
+          </a:prstGeom>
+        </p:spPr>
+      </p:pic>
       <p:sp>
         <p:nvSpPr>
-          <p:cNvPr id="7" name="TextBox 6"/>
+          <p:cNvPr id="12" name="TextBox 11">
+            <a:extLst>
+              <a:ext uri="{FF2B5EF4-FFF2-40B4-BE49-F238E27FC236}">
+                <a16:creationId xmlns:a16="http://schemas.microsoft.com/office/drawing/2014/main" id="{FC6AE1D5-4E59-B9D1-977A-42CA1F1C8942}"/>
+              </a:ext>
+            </a:extLst>
+          </p:cNvPr>
           <p:cNvSpPr txBox="1"/>
           <p:nvPr/>
         </p:nvSpPr>
         <p:spPr>
           <a:xfrm>
-            <a:off x="5469296" y="2395437"/>
-            <a:ext cx="1791048" cy="1246495"/>
+            <a:off x="5827182" y="1456303"/>
+            <a:ext cx="1694547" cy="369332"/>
           </a:xfrm>
           <a:prstGeom prst="rect">
             <a:avLst/>
@@ -30481,24 +30523,17 @@
           <a:noFill/>
         </p:spPr>
         <p:txBody>
-          <a:bodyPr wrap="square" rtlCol="0" anchor="ctr">
+          <a:bodyPr wrap="square" rtlCol="0">
             <a:spAutoFit/>
           </a:bodyPr>
           <a:lstStyle/>
           <a:p>
-            <a:pPr algn="ctr"/>
             <a:r>
-              <a:rPr lang="en-US" sz="7500" dirty="0">
-                <a:solidFill>
-                  <a:schemeClr val="tx1">
-                    <a:lumMod val="65000"/>
-                    <a:lumOff val="35000"/>
-                  </a:schemeClr>
-                </a:solidFill>
-                <a:latin typeface="Roboto Black" panose="02000000000000000000" pitchFamily="2" charset="0"/>
-                <a:ea typeface="Roboto Black" panose="02000000000000000000" pitchFamily="2" charset="0"/>
+              <a:rPr lang="en-US" b="1" dirty="0">
+                <a:latin typeface="Arial" panose="020B0604020202020204" pitchFamily="34" charset="0"/>
+                <a:cs typeface="Arial" panose="020B0604020202020204" pitchFamily="34" charset="0"/>
               </a:rPr>
-              <a:t>VS</a:t>
+              <a:t>Apple iPhone</a:t>
             </a:r>
           </a:p>
         </p:txBody>
